--- a/algorithm/doc/文档图标.pptx
+++ b/algorithm/doc/文档图标.pptx
@@ -4730,8 +4730,8 @@
         </p:nvGrpSpPr>
         <p:grpSpPr>
           <a:xfrm>
-            <a:off x="980440" y="1788160"/>
-            <a:ext cx="2781935" cy="350520"/>
+            <a:off x="980440" y="1901825"/>
+            <a:ext cx="2277110" cy="236855"/>
             <a:chOff x="3436" y="2316"/>
             <a:chExt cx="9584" cy="1172"/>
           </a:xfrm>
@@ -4775,13 +4775,13 @@
             <a:p>
               <a:pPr algn="ctr"/>
               <a:r>
-                <a:rPr lang="zh-CN" altLang="en-US" sz="1200" b="1">
+                <a:rPr lang="zh-CN" altLang="en-US" sz="1000" b="1">
                   <a:latin typeface="+mj-ea"/>
                   <a:ea typeface="+mj-ea"/>
                 </a:rPr>
                 <a:t>儿须成名酒须醉</a:t>
               </a:r>
-              <a:endParaRPr lang="zh-CN" altLang="en-US" sz="1200" b="1">
+              <a:endParaRPr lang="zh-CN" altLang="en-US" sz="1000" b="1">
                 <a:latin typeface="+mj-ea"/>
                 <a:ea typeface="+mj-ea"/>
               </a:endParaRPr>
@@ -4827,10 +4827,10 @@
             <a:p>
               <a:pPr algn="ctr"/>
               <a:r>
-                <a:rPr lang="en-US" altLang="zh-CN" sz="1600" b="1"/>
+                <a:rPr lang="en-US" altLang="zh-CN" sz="1200" b="1"/>
                 <a:t>liupengsay</a:t>
               </a:r>
-              <a:endParaRPr lang="en-US" altLang="zh-CN" sz="1600" b="1"/>
+              <a:endParaRPr lang="en-US" altLang="zh-CN" sz="1200" b="1"/>
             </a:p>
           </p:txBody>
         </p:sp>
